--- a/Week 4/Econ144_Lec7.pptx
+++ b/Week 4/Econ144_Lec7.pptx
@@ -249,7 +249,7 @@
             <a:fld id="{BE50BAC9-D96F-6043-9C24-3CA1CCA5BE71}" type="datetimeFigureOut">
               <a:rPr lang="en-US" smtClean="0"/>
               <a:pPr/>
-              <a:t>4/19/2018</a:t>
+              <a:t>4/26/2018</a:t>
             </a:fld>
             <a:endParaRPr lang="en-US"/>
           </a:p>
@@ -412,7 +412,7 @@
             <a:fld id="{4D414C45-A818-8343-8DB1-68AFBE94AD91}" type="datetimeFigureOut">
               <a:rPr lang="en-US" smtClean="0"/>
               <a:pPr/>
-              <a:t>4/19/2018</a:t>
+              <a:t>4/26/2018</a:t>
             </a:fld>
             <a:endParaRPr lang="en-US"/>
           </a:p>
@@ -1637,7 +1637,10 @@
           <a:bodyPr/>
           <a:lstStyle/>
           <a:p>
-            <a:endParaRPr lang="en-MY" dirty="0"/>
+            <a:r>
+              <a:rPr lang="en-MY" dirty="0"/>
+              <a:t>The higher the value of theta, the higher the magnitude of the PACF, but abs(theta)&lt;1 </a:t>
+            </a:r>
           </a:p>
         </p:txBody>
       </p:sp>
@@ -2039,7 +2042,7 @@
             <a:fld id="{C22F2E38-EDF2-0B4B-A1AE-2C9A9CC8448E}" type="datetime1">
               <a:rPr lang="en-US" smtClean="0"/>
               <a:pPr/>
-              <a:t>4/19/2018</a:t>
+              <a:t>4/26/2018</a:t>
             </a:fld>
             <a:endParaRPr lang="en-US"/>
           </a:p>
@@ -2204,7 +2207,7 @@
             <a:fld id="{7B4E94A1-FAB2-8540-996A-EF6238DC218B}" type="datetime1">
               <a:rPr lang="en-US" smtClean="0"/>
               <a:pPr/>
-              <a:t>4/19/2018</a:t>
+              <a:t>4/26/2018</a:t>
             </a:fld>
             <a:endParaRPr lang="en-US"/>
           </a:p>
@@ -2379,7 +2382,7 @@
             <a:fld id="{E4E3242E-FC60-354B-9E01-F98987CF91EA}" type="datetime1">
               <a:rPr lang="en-US" smtClean="0"/>
               <a:pPr/>
-              <a:t>4/19/2018</a:t>
+              <a:t>4/26/2018</a:t>
             </a:fld>
             <a:endParaRPr lang="en-US"/>
           </a:p>
@@ -2544,7 +2547,7 @@
             <a:fld id="{CE8A7A32-8E31-344A-9B2B-A10CFA75356E}" type="datetime1">
               <a:rPr lang="en-US" smtClean="0"/>
               <a:pPr/>
-              <a:t>4/19/2018</a:t>
+              <a:t>4/26/2018</a:t>
             </a:fld>
             <a:endParaRPr lang="en-US"/>
           </a:p>
@@ -2786,7 +2789,7 @@
             <a:fld id="{CAF3A19E-4A45-ED4F-BD27-B0EE52A51AF6}" type="datetime1">
               <a:rPr lang="en-US" smtClean="0"/>
               <a:pPr/>
-              <a:t>4/19/2018</a:t>
+              <a:t>4/26/2018</a:t>
             </a:fld>
             <a:endParaRPr lang="en-US"/>
           </a:p>
@@ -3068,7 +3071,7 @@
             <a:fld id="{DC8D4752-6B78-9841-8719-C037FEC45DC1}" type="datetime1">
               <a:rPr lang="en-US" smtClean="0"/>
               <a:pPr/>
-              <a:t>4/19/2018</a:t>
+              <a:t>4/26/2018</a:t>
             </a:fld>
             <a:endParaRPr lang="en-US"/>
           </a:p>
@@ -3484,7 +3487,7 @@
             <a:fld id="{ECA248A7-4584-084F-BB0A-E1A38D98CD94}" type="datetime1">
               <a:rPr lang="en-US" smtClean="0"/>
               <a:pPr/>
-              <a:t>4/19/2018</a:t>
+              <a:t>4/26/2018</a:t>
             </a:fld>
             <a:endParaRPr lang="en-US"/>
           </a:p>
@@ -3598,7 +3601,7 @@
             <a:fld id="{1234E8FB-B829-8A44-806E-D8D0FB4AB18A}" type="datetime1">
               <a:rPr lang="en-US" smtClean="0"/>
               <a:pPr/>
-              <a:t>4/19/2018</a:t>
+              <a:t>4/26/2018</a:t>
             </a:fld>
             <a:endParaRPr lang="en-US"/>
           </a:p>
@@ -3690,7 +3693,7 @@
             <a:fld id="{1E04AC61-63AC-8445-997C-669BD7969E4E}" type="datetime1">
               <a:rPr lang="en-US" smtClean="0"/>
               <a:pPr/>
-              <a:t>4/19/2018</a:t>
+              <a:t>4/26/2018</a:t>
             </a:fld>
             <a:endParaRPr lang="en-US"/>
           </a:p>
@@ -3962,7 +3965,7 @@
             <a:fld id="{CD6ED6C7-C2C5-C24C-AC8A-A91C9FF9B017}" type="datetime1">
               <a:rPr lang="en-US" smtClean="0"/>
               <a:pPr/>
-              <a:t>4/19/2018</a:t>
+              <a:t>4/26/2018</a:t>
             </a:fld>
             <a:endParaRPr lang="en-US"/>
           </a:p>
@@ -4211,7 +4214,7 @@
             <a:fld id="{D8C7839B-E887-0944-84C3-E700F2F6A56F}" type="datetime1">
               <a:rPr lang="en-US" smtClean="0"/>
               <a:pPr/>
-              <a:t>4/19/2018</a:t>
+              <a:t>4/26/2018</a:t>
             </a:fld>
             <a:endParaRPr lang="en-US"/>
           </a:p>
@@ -4419,7 +4422,7 @@
             <a:fld id="{CB6D0F97-75B8-7541-A107-497A429A2E0D}" type="datetime1">
               <a:rPr lang="en-US" smtClean="0"/>
               <a:pPr/>
-              <a:t>4/19/2018</a:t>
+              <a:t>4/26/2018</a:t>
             </a:fld>
             <a:endParaRPr lang="en-US"/>
           </a:p>
@@ -5942,7 +5945,7 @@
                 </a:solidFill>
                 <a:cs typeface="Times New Roman"/>
               </a:rPr>
-              <a:t>Note: You can show (please fill in the steps) that</a:t>
+              <a:t>Note: You can show (please fill in t	he steps) that</a:t>
             </a:r>
           </a:p>
           <a:p>
@@ -7252,7 +7255,7 @@
           <a:graphicData uri="http://schemas.openxmlformats.org/presentationml/2006/ole">
             <mc:AlternateContent xmlns:mc="http://schemas.openxmlformats.org/markup-compatibility/2006">
               <mc:Choice xmlns:v="urn:schemas-microsoft-com:vml" Requires="v">
-                <p:oleObj spid="_x0000_s44054" name="Equation" r:id="rId8" imgW="545760" imgH="177480" progId="Equation.3">
+                <p:oleObj spid="_x0000_s44070" name="Equation" r:id="rId8" imgW="545760" imgH="177480" progId="Equation.3">
                   <p:embed/>
                 </p:oleObj>
               </mc:Choice>
@@ -7322,7 +7325,7 @@
           <a:graphicData uri="http://schemas.openxmlformats.org/presentationml/2006/ole">
             <mc:AlternateContent xmlns:mc="http://schemas.openxmlformats.org/markup-compatibility/2006">
               <mc:Choice xmlns:v="urn:schemas-microsoft-com:vml" Requires="v">
-                <p:oleObj spid="_x0000_s44055" name="Equation" r:id="rId10" imgW="469800" imgH="177480" progId="Equation.3">
+                <p:oleObj spid="_x0000_s44071" name="Equation" r:id="rId10" imgW="469800" imgH="177480" progId="Equation.3">
                   <p:embed/>
                 </p:oleObj>
               </mc:Choice>
@@ -7392,7 +7395,7 @@
           <a:graphicData uri="http://schemas.openxmlformats.org/presentationml/2006/ole">
             <mc:AlternateContent xmlns:mc="http://schemas.openxmlformats.org/markup-compatibility/2006">
               <mc:Choice xmlns:v="urn:schemas-microsoft-com:vml" Requires="v">
-                <p:oleObj spid="_x0000_s44056" name="Equation" r:id="rId12" imgW="545760" imgH="177480" progId="Equation.3">
+                <p:oleObj spid="_x0000_s44072" name="Equation" r:id="rId12" imgW="545760" imgH="177480" progId="Equation.3">
                   <p:embed/>
                 </p:oleObj>
               </mc:Choice>
@@ -7462,7 +7465,7 @@
           <a:graphicData uri="http://schemas.openxmlformats.org/presentationml/2006/ole">
             <mc:AlternateContent xmlns:mc="http://schemas.openxmlformats.org/markup-compatibility/2006">
               <mc:Choice xmlns:v="urn:schemas-microsoft-com:vml" Requires="v">
-                <p:oleObj spid="_x0000_s44057" name="Equation" r:id="rId14" imgW="368140" imgH="177723" progId="Equation.3">
+                <p:oleObj spid="_x0000_s44073" name="Equation" r:id="rId14" imgW="368140" imgH="177723" progId="Equation.3">
                   <p:embed/>
                 </p:oleObj>
               </mc:Choice>
@@ -16187,7 +16190,7 @@
           <a:graphicData uri="http://schemas.openxmlformats.org/presentationml/2006/ole">
             <mc:AlternateContent xmlns:mc="http://schemas.openxmlformats.org/markup-compatibility/2006">
               <mc:Choice xmlns:v="urn:schemas-microsoft-com:vml" Requires="v">
-                <p:oleObj spid="_x0000_s63496" name="Equation" r:id="rId6" imgW="1663700" imgH="228600" progId="Equation.3">
+                <p:oleObj spid="_x0000_s63504" name="Equation" r:id="rId6" imgW="1663700" imgH="228600" progId="Equation.3">
                   <p:embed/>
                 </p:oleObj>
               </mc:Choice>
@@ -16257,7 +16260,7 @@
           <a:graphicData uri="http://schemas.openxmlformats.org/presentationml/2006/ole">
             <mc:AlternateContent xmlns:mc="http://schemas.openxmlformats.org/markup-compatibility/2006">
               <mc:Choice xmlns:v="urn:schemas-microsoft-com:vml" Requires="v">
-                <p:oleObj spid="_x0000_s63497" name="Equation" r:id="rId8" imgW="1752600" imgH="177800" progId="Equation.3">
+                <p:oleObj spid="_x0000_s63505" name="Equation" r:id="rId8" imgW="1752600" imgH="177800" progId="Equation.3">
                   <p:embed/>
                 </p:oleObj>
               </mc:Choice>
@@ -16618,7 +16621,7 @@
           <a:graphicData uri="http://schemas.openxmlformats.org/presentationml/2006/ole">
             <mc:AlternateContent xmlns:mc="http://schemas.openxmlformats.org/markup-compatibility/2006">
               <mc:Choice xmlns:v="urn:schemas-microsoft-com:vml" Requires="v">
-                <p:oleObj spid="_x0000_s66570" name="Equation" r:id="rId6" imgW="1841500" imgH="228600" progId="Equation.3">
+                <p:oleObj spid="_x0000_s66578" name="Equation" r:id="rId6" imgW="1841500" imgH="228600" progId="Equation.3">
                   <p:embed/>
                 </p:oleObj>
               </mc:Choice>
@@ -16688,7 +16691,7 @@
           <a:graphicData uri="http://schemas.openxmlformats.org/presentationml/2006/ole">
             <mc:AlternateContent xmlns:mc="http://schemas.openxmlformats.org/markup-compatibility/2006">
               <mc:Choice xmlns:v="urn:schemas-microsoft-com:vml" Requires="v">
-                <p:oleObj spid="_x0000_s66571" name="Equation" r:id="rId8" imgW="1663700" imgH="228600" progId="Equation.3">
+                <p:oleObj spid="_x0000_s66579" name="Equation" r:id="rId8" imgW="1663700" imgH="228600" progId="Equation.3">
                   <p:embed/>
                 </p:oleObj>
               </mc:Choice>

--- a/Week 4/Econ144_Lec7.pptx
+++ b/Week 4/Econ144_Lec7.pptx
@@ -249,7 +249,7 @@
             <a:fld id="{BE50BAC9-D96F-6043-9C24-3CA1CCA5BE71}" type="datetimeFigureOut">
               <a:rPr lang="en-US" smtClean="0"/>
               <a:pPr/>
-              <a:t>4/26/2018</a:t>
+              <a:t>4/29/2018</a:t>
             </a:fld>
             <a:endParaRPr lang="en-US"/>
           </a:p>
@@ -412,7 +412,7 @@
             <a:fld id="{4D414C45-A818-8343-8DB1-68AFBE94AD91}" type="datetimeFigureOut">
               <a:rPr lang="en-US" smtClean="0"/>
               <a:pPr/>
-              <a:t>4/26/2018</a:t>
+              <a:t>4/29/2018</a:t>
             </a:fld>
             <a:endParaRPr lang="en-US"/>
           </a:p>
@@ -812,8 +812,13 @@
           <a:p>
             <a:r>
               <a:rPr lang="en-MY" dirty="0"/>
-              <a:t>Left has more persistence, greater volatility </a:t>
-            </a:r>
+              <a:t>The higher values of the power of theta, the smaller the theta to that power since theta is smaller than 1, which means that the higher order or Y-u is </a:t>
+            </a:r>
+            <a:r>
+              <a:rPr lang="en-MY" dirty="0" err="1"/>
+              <a:t>negligient</a:t>
+            </a:r>
+            <a:endParaRPr lang="en-MY" dirty="0"/>
           </a:p>
         </p:txBody>
       </p:sp>
@@ -835,7 +840,7 @@
             <a:fld id="{2F9A6515-B5A6-F04E-B20B-D9B18B4D9E7E}" type="slidenum">
               <a:rPr lang="en-US" smtClean="0"/>
               <a:pPr/>
-              <a:t>28</a:t>
+              <a:t>16</a:t>
             </a:fld>
             <a:endParaRPr lang="en-US"/>
           </a:p>
@@ -844,7 +849,7 @@
     </p:spTree>
     <p:extLst>
       <p:ext uri="{BB962C8B-B14F-4D97-AF65-F5344CB8AC3E}">
-        <p14:creationId xmlns:p14="http://schemas.microsoft.com/office/powerpoint/2010/main" val="4087934046"/>
+        <p14:creationId xmlns:p14="http://schemas.microsoft.com/office/powerpoint/2010/main" val="4079191936"/>
       </p:ext>
     </p:extLst>
   </p:cSld>
@@ -900,7 +905,7 @@
           <a:p>
             <a:r>
               <a:rPr lang="en-MY" dirty="0"/>
-              <a:t>The PACF inverts since we negate the epsilon for t-1</a:t>
+              <a:t>Left has more persistence, greater volatility </a:t>
             </a:r>
           </a:p>
         </p:txBody>
@@ -923,7 +928,7 @@
             <a:fld id="{2F9A6515-B5A6-F04E-B20B-D9B18B4D9E7E}" type="slidenum">
               <a:rPr lang="en-US" smtClean="0"/>
               <a:pPr/>
-              <a:t>29</a:t>
+              <a:t>28</a:t>
             </a:fld>
             <a:endParaRPr lang="en-US"/>
           </a:p>
@@ -932,7 +937,7 @@
     </p:spTree>
     <p:extLst>
       <p:ext uri="{BB962C8B-B14F-4D97-AF65-F5344CB8AC3E}">
-        <p14:creationId xmlns:p14="http://schemas.microsoft.com/office/powerpoint/2010/main" val="1019802544"/>
+        <p14:creationId xmlns:p14="http://schemas.microsoft.com/office/powerpoint/2010/main" val="4087934046"/>
       </p:ext>
     </p:extLst>
   </p:cSld>
@@ -988,6 +993,94 @@
           <a:p>
             <a:r>
               <a:rPr lang="en-MY" dirty="0"/>
+              <a:t>The PACF inverts since we negate the epsilon for t-1</a:t>
+            </a:r>
+          </a:p>
+        </p:txBody>
+      </p:sp>
+      <p:sp>
+        <p:nvSpPr>
+          <p:cNvPr id="4" name="Slide Number Placeholder 3"/>
+          <p:cNvSpPr>
+            <a:spLocks noGrp="1"/>
+          </p:cNvSpPr>
+          <p:nvPr>
+            <p:ph type="sldNum" sz="quarter" idx="10"/>
+          </p:nvPr>
+        </p:nvSpPr>
+        <p:spPr/>
+        <p:txBody>
+          <a:bodyPr/>
+          <a:lstStyle/>
+          <a:p>
+            <a:fld id="{2F9A6515-B5A6-F04E-B20B-D9B18B4D9E7E}" type="slidenum">
+              <a:rPr lang="en-US" smtClean="0"/>
+              <a:pPr/>
+              <a:t>29</a:t>
+            </a:fld>
+            <a:endParaRPr lang="en-US"/>
+          </a:p>
+        </p:txBody>
+      </p:sp>
+    </p:spTree>
+    <p:extLst>
+      <p:ext uri="{BB962C8B-B14F-4D97-AF65-F5344CB8AC3E}">
+        <p14:creationId xmlns:p14="http://schemas.microsoft.com/office/powerpoint/2010/main" val="1019802544"/>
+      </p:ext>
+    </p:extLst>
+  </p:cSld>
+  <p:clrMapOvr>
+    <a:masterClrMapping/>
+  </p:clrMapOvr>
+</p:notes>
+</file>
+
+<file path=ppt/notesSlides/notesSlide13.xml><?xml version="1.0" encoding="utf-8"?>
+<p:notes xmlns:a="http://schemas.openxmlformats.org/drawingml/2006/main" xmlns:r="http://schemas.openxmlformats.org/officeDocument/2006/relationships" xmlns:p="http://schemas.openxmlformats.org/presentationml/2006/main">
+  <p:cSld>
+    <p:spTree>
+      <p:nvGrpSpPr>
+        <p:cNvPr id="1" name=""/>
+        <p:cNvGrpSpPr/>
+        <p:nvPr/>
+      </p:nvGrpSpPr>
+      <p:grpSpPr>
+        <a:xfrm>
+          <a:off x="0" y="0"/>
+          <a:ext cx="0" cy="0"/>
+          <a:chOff x="0" y="0"/>
+          <a:chExt cx="0" cy="0"/>
+        </a:xfrm>
+      </p:grpSpPr>
+      <p:sp>
+        <p:nvSpPr>
+          <p:cNvPr id="2" name="Slide Image Placeholder 1"/>
+          <p:cNvSpPr>
+            <a:spLocks noGrp="1" noRot="1" noChangeAspect="1"/>
+          </p:cNvSpPr>
+          <p:nvPr>
+            <p:ph type="sldImg"/>
+          </p:nvPr>
+        </p:nvSpPr>
+        <p:spPr/>
+      </p:sp>
+      <p:sp>
+        <p:nvSpPr>
+          <p:cNvPr id="3" name="Notes Placeholder 2"/>
+          <p:cNvSpPr>
+            <a:spLocks noGrp="1"/>
+          </p:cNvSpPr>
+          <p:nvPr>
+            <p:ph type="body" idx="1"/>
+          </p:nvPr>
+        </p:nvSpPr>
+        <p:spPr/>
+        <p:txBody>
+          <a:bodyPr/>
+          <a:lstStyle/>
+          <a:p>
+            <a:r>
+              <a:rPr lang="en-MY" dirty="0"/>
               <a:t>Since we are taking a 3-day moving average, the averaging makes the curve smoother</a:t>
             </a:r>
           </a:p>
@@ -1030,7 +1123,7 @@
 </p:notes>
 </file>
 
-<file path=ppt/notesSlides/notesSlide13.xml><?xml version="1.0" encoding="utf-8"?>
+<file path=ppt/notesSlides/notesSlide14.xml><?xml version="1.0" encoding="utf-8"?>
 <p:notes xmlns:a="http://schemas.openxmlformats.org/drawingml/2006/main" xmlns:r="http://schemas.openxmlformats.org/officeDocument/2006/relationships" xmlns:p="http://schemas.openxmlformats.org/presentationml/2006/main">
   <p:cSld>
     <p:spTree>
@@ -1637,10 +1730,7 @@
           <a:bodyPr/>
           <a:lstStyle/>
           <a:p>
-            <a:r>
-              <a:rPr lang="en-MY" dirty="0"/>
-              <a:t>The higher the value of theta, the higher the magnitude of the PACF, but abs(theta)&lt;1 </a:t>
-            </a:r>
+            <a:endParaRPr lang="en-MY" dirty="0"/>
           </a:p>
         </p:txBody>
       </p:sp>
@@ -1662,7 +1752,7 @@
             <a:fld id="{2F9A6515-B5A6-F04E-B20B-D9B18B4D9E7E}" type="slidenum">
               <a:rPr lang="en-US" smtClean="0"/>
               <a:pPr/>
-              <a:t>13</a:t>
+              <a:t>12</a:t>
             </a:fld>
             <a:endParaRPr lang="en-US"/>
           </a:p>
@@ -1671,7 +1761,7 @@
     </p:spTree>
     <p:extLst>
       <p:ext uri="{BB962C8B-B14F-4D97-AF65-F5344CB8AC3E}">
-        <p14:creationId xmlns:p14="http://schemas.microsoft.com/office/powerpoint/2010/main" val="586719245"/>
+        <p14:creationId xmlns:p14="http://schemas.microsoft.com/office/powerpoint/2010/main" val="2423267947"/>
       </p:ext>
     </p:extLst>
   </p:cSld>
@@ -1727,7 +1817,7 @@
           <a:p>
             <a:r>
               <a:rPr lang="en-MY" dirty="0"/>
-              <a:t>The 1/denominator can be represented with a Taylor expansion</a:t>
+              <a:t>The higher the value of theta, the higher the magnitude of the PACF, but abs(theta)&lt;1 </a:t>
             </a:r>
           </a:p>
         </p:txBody>
@@ -1750,7 +1840,7 @@
             <a:fld id="{2F9A6515-B5A6-F04E-B20B-D9B18B4D9E7E}" type="slidenum">
               <a:rPr lang="en-US" smtClean="0"/>
               <a:pPr/>
-              <a:t>15</a:t>
+              <a:t>13</a:t>
             </a:fld>
             <a:endParaRPr lang="en-US"/>
           </a:p>
@@ -1759,7 +1849,7 @@
     </p:spTree>
     <p:extLst>
       <p:ext uri="{BB962C8B-B14F-4D97-AF65-F5344CB8AC3E}">
-        <p14:creationId xmlns:p14="http://schemas.microsoft.com/office/powerpoint/2010/main" val="1601595040"/>
+        <p14:creationId xmlns:p14="http://schemas.microsoft.com/office/powerpoint/2010/main" val="586719245"/>
       </p:ext>
     </p:extLst>
   </p:cSld>
@@ -1815,13 +1905,8 @@
           <a:p>
             <a:r>
               <a:rPr lang="en-MY" dirty="0"/>
-              <a:t>The higher values of the power of theta, the smaller the theta to that power since theta is smaller than 1, which means that the higher order or Y-u is </a:t>
-            </a:r>
-            <a:r>
-              <a:rPr lang="en-MY" dirty="0" err="1"/>
-              <a:t>negligient</a:t>
-            </a:r>
-            <a:endParaRPr lang="en-MY" dirty="0"/>
+              <a:t>The 1/denominator can be represented with a Taylor expansion</a:t>
+            </a:r>
           </a:p>
         </p:txBody>
       </p:sp>
@@ -1843,7 +1928,7 @@
             <a:fld id="{2F9A6515-B5A6-F04E-B20B-D9B18B4D9E7E}" type="slidenum">
               <a:rPr lang="en-US" smtClean="0"/>
               <a:pPr/>
-              <a:t>16</a:t>
+              <a:t>15</a:t>
             </a:fld>
             <a:endParaRPr lang="en-US"/>
           </a:p>
@@ -1852,7 +1937,7 @@
     </p:spTree>
     <p:extLst>
       <p:ext uri="{BB962C8B-B14F-4D97-AF65-F5344CB8AC3E}">
-        <p14:creationId xmlns:p14="http://schemas.microsoft.com/office/powerpoint/2010/main" val="4079191936"/>
+        <p14:creationId xmlns:p14="http://schemas.microsoft.com/office/powerpoint/2010/main" val="1601595040"/>
       </p:ext>
     </p:extLst>
   </p:cSld>
@@ -2042,7 +2127,7 @@
             <a:fld id="{C22F2E38-EDF2-0B4B-A1AE-2C9A9CC8448E}" type="datetime1">
               <a:rPr lang="en-US" smtClean="0"/>
               <a:pPr/>
-              <a:t>4/26/2018</a:t>
+              <a:t>4/29/2018</a:t>
             </a:fld>
             <a:endParaRPr lang="en-US"/>
           </a:p>
@@ -2207,7 +2292,7 @@
             <a:fld id="{7B4E94A1-FAB2-8540-996A-EF6238DC218B}" type="datetime1">
               <a:rPr lang="en-US" smtClean="0"/>
               <a:pPr/>
-              <a:t>4/26/2018</a:t>
+              <a:t>4/29/2018</a:t>
             </a:fld>
             <a:endParaRPr lang="en-US"/>
           </a:p>
@@ -2382,7 +2467,7 @@
             <a:fld id="{E4E3242E-FC60-354B-9E01-F98987CF91EA}" type="datetime1">
               <a:rPr lang="en-US" smtClean="0"/>
               <a:pPr/>
-              <a:t>4/26/2018</a:t>
+              <a:t>4/29/2018</a:t>
             </a:fld>
             <a:endParaRPr lang="en-US"/>
           </a:p>
@@ -2547,7 +2632,7 @@
             <a:fld id="{CE8A7A32-8E31-344A-9B2B-A10CFA75356E}" type="datetime1">
               <a:rPr lang="en-US" smtClean="0"/>
               <a:pPr/>
-              <a:t>4/26/2018</a:t>
+              <a:t>4/29/2018</a:t>
             </a:fld>
             <a:endParaRPr lang="en-US"/>
           </a:p>
@@ -2789,7 +2874,7 @@
             <a:fld id="{CAF3A19E-4A45-ED4F-BD27-B0EE52A51AF6}" type="datetime1">
               <a:rPr lang="en-US" smtClean="0"/>
               <a:pPr/>
-              <a:t>4/26/2018</a:t>
+              <a:t>4/29/2018</a:t>
             </a:fld>
             <a:endParaRPr lang="en-US"/>
           </a:p>
@@ -3071,7 +3156,7 @@
             <a:fld id="{DC8D4752-6B78-9841-8719-C037FEC45DC1}" type="datetime1">
               <a:rPr lang="en-US" smtClean="0"/>
               <a:pPr/>
-              <a:t>4/26/2018</a:t>
+              <a:t>4/29/2018</a:t>
             </a:fld>
             <a:endParaRPr lang="en-US"/>
           </a:p>
@@ -3487,7 +3572,7 @@
             <a:fld id="{ECA248A7-4584-084F-BB0A-E1A38D98CD94}" type="datetime1">
               <a:rPr lang="en-US" smtClean="0"/>
               <a:pPr/>
-              <a:t>4/26/2018</a:t>
+              <a:t>4/29/2018</a:t>
             </a:fld>
             <a:endParaRPr lang="en-US"/>
           </a:p>
@@ -3601,7 +3686,7 @@
             <a:fld id="{1234E8FB-B829-8A44-806E-D8D0FB4AB18A}" type="datetime1">
               <a:rPr lang="en-US" smtClean="0"/>
               <a:pPr/>
-              <a:t>4/26/2018</a:t>
+              <a:t>4/29/2018</a:t>
             </a:fld>
             <a:endParaRPr lang="en-US"/>
           </a:p>
@@ -3693,7 +3778,7 @@
             <a:fld id="{1E04AC61-63AC-8445-997C-669BD7969E4E}" type="datetime1">
               <a:rPr lang="en-US" smtClean="0"/>
               <a:pPr/>
-              <a:t>4/26/2018</a:t>
+              <a:t>4/29/2018</a:t>
             </a:fld>
             <a:endParaRPr lang="en-US"/>
           </a:p>
@@ -3965,7 +4050,7 @@
             <a:fld id="{CD6ED6C7-C2C5-C24C-AC8A-A91C9FF9B017}" type="datetime1">
               <a:rPr lang="en-US" smtClean="0"/>
               <a:pPr/>
-              <a:t>4/26/2018</a:t>
+              <a:t>4/29/2018</a:t>
             </a:fld>
             <a:endParaRPr lang="en-US"/>
           </a:p>
@@ -4214,7 +4299,7 @@
             <a:fld id="{D8C7839B-E887-0944-84C3-E700F2F6A56F}" type="datetime1">
               <a:rPr lang="en-US" smtClean="0"/>
               <a:pPr/>
-              <a:t>4/26/2018</a:t>
+              <a:t>4/29/2018</a:t>
             </a:fld>
             <a:endParaRPr lang="en-US"/>
           </a:p>
@@ -4422,7 +4507,7 @@
             <a:fld id="{CB6D0F97-75B8-7541-A107-497A429A2E0D}" type="datetime1">
               <a:rPr lang="en-US" smtClean="0"/>
               <a:pPr/>
-              <a:t>4/26/2018</a:t>
+              <a:t>4/29/2018</a:t>
             </a:fld>
             <a:endParaRPr lang="en-US"/>
           </a:p>
@@ -7255,7 +7340,7 @@
           <a:graphicData uri="http://schemas.openxmlformats.org/presentationml/2006/ole">
             <mc:AlternateContent xmlns:mc="http://schemas.openxmlformats.org/markup-compatibility/2006">
               <mc:Choice xmlns:v="urn:schemas-microsoft-com:vml" Requires="v">
-                <p:oleObj spid="_x0000_s44070" name="Equation" r:id="rId8" imgW="545760" imgH="177480" progId="Equation.3">
+                <p:oleObj spid="_x0000_s44082" name="Equation" r:id="rId8" imgW="545760" imgH="177480" progId="Equation.3">
                   <p:embed/>
                 </p:oleObj>
               </mc:Choice>
@@ -7325,7 +7410,7 @@
           <a:graphicData uri="http://schemas.openxmlformats.org/presentationml/2006/ole">
             <mc:AlternateContent xmlns:mc="http://schemas.openxmlformats.org/markup-compatibility/2006">
               <mc:Choice xmlns:v="urn:schemas-microsoft-com:vml" Requires="v">
-                <p:oleObj spid="_x0000_s44071" name="Equation" r:id="rId10" imgW="469800" imgH="177480" progId="Equation.3">
+                <p:oleObj spid="_x0000_s44083" name="Equation" r:id="rId10" imgW="469800" imgH="177480" progId="Equation.3">
                   <p:embed/>
                 </p:oleObj>
               </mc:Choice>
@@ -7395,7 +7480,7 @@
           <a:graphicData uri="http://schemas.openxmlformats.org/presentationml/2006/ole">
             <mc:AlternateContent xmlns:mc="http://schemas.openxmlformats.org/markup-compatibility/2006">
               <mc:Choice xmlns:v="urn:schemas-microsoft-com:vml" Requires="v">
-                <p:oleObj spid="_x0000_s44072" name="Equation" r:id="rId12" imgW="545760" imgH="177480" progId="Equation.3">
+                <p:oleObj spid="_x0000_s44084" name="Equation" r:id="rId12" imgW="545760" imgH="177480" progId="Equation.3">
                   <p:embed/>
                 </p:oleObj>
               </mc:Choice>
@@ -7465,7 +7550,7 @@
           <a:graphicData uri="http://schemas.openxmlformats.org/presentationml/2006/ole">
             <mc:AlternateContent xmlns:mc="http://schemas.openxmlformats.org/markup-compatibility/2006">
               <mc:Choice xmlns:v="urn:schemas-microsoft-com:vml" Requires="v">
-                <p:oleObj spid="_x0000_s44073" name="Equation" r:id="rId14" imgW="368140" imgH="177723" progId="Equation.3">
+                <p:oleObj spid="_x0000_s44085" name="Equation" r:id="rId14" imgW="368140" imgH="177723" progId="Equation.3">
                   <p:embed/>
                 </p:oleObj>
               </mc:Choice>
@@ -8633,7 +8718,7 @@
           <p:nvPr/>
         </p:nvPicPr>
         <mc:AlternateContent xmlns:mc="http://schemas.openxmlformats.org/markup-compatibility/2006">
-          <mc:Choice xmlns:ma="http://schemas.microsoft.com/office/mac/drawingml/2008/main" xmlns:mv="urn:schemas-microsoft-com:mac:vml" xmlns="" Requires="ma">
+          <mc:Choice xmlns="" xmlns:mv="urn:schemas-microsoft-com:mac:vml" xmlns:ma="http://schemas.microsoft.com/office/mac/drawingml/2008/main" Requires="ma">
             <p:blipFill>
               <a:blip r:embed="rId3"/>
               <a:stretch>
@@ -8983,7 +9068,7 @@
           <p:nvPr/>
         </p:nvPicPr>
         <mc:AlternateContent xmlns:mc="http://schemas.openxmlformats.org/markup-compatibility/2006">
-          <mc:Choice xmlns:ma="http://schemas.microsoft.com/office/mac/drawingml/2008/main" xmlns:mv="urn:schemas-microsoft-com:mac:vml" xmlns="" Requires="ma">
+          <mc:Choice xmlns="" xmlns:mv="urn:schemas-microsoft-com:mac:vml" xmlns:ma="http://schemas.microsoft.com/office/mac/drawingml/2008/main" Requires="ma">
             <p:blipFill>
               <a:blip r:embed="rId3"/>
               <a:stretch>
@@ -9019,7 +9104,7 @@
           <p:nvPr/>
         </p:nvPicPr>
         <mc:AlternateContent xmlns:mc="http://schemas.openxmlformats.org/markup-compatibility/2006">
-          <mc:Choice xmlns:ma="http://schemas.microsoft.com/office/mac/drawingml/2008/main" xmlns:mv="urn:schemas-microsoft-com:mac:vml" xmlns="" Requires="ma">
+          <mc:Choice xmlns="" xmlns:mv="urn:schemas-microsoft-com:mac:vml" xmlns:ma="http://schemas.microsoft.com/office/mac/drawingml/2008/main" Requires="ma">
             <p:blipFill>
               <a:blip r:embed="rId5"/>
               <a:stretch>
@@ -9055,7 +9140,7 @@
           <p:nvPr/>
         </p:nvPicPr>
         <mc:AlternateContent xmlns:mc="http://schemas.openxmlformats.org/markup-compatibility/2006">
-          <mc:Choice xmlns:ma="http://schemas.microsoft.com/office/mac/drawingml/2008/main" xmlns:mv="urn:schemas-microsoft-com:mac:vml" xmlns="" Requires="ma">
+          <mc:Choice xmlns="" xmlns:mv="urn:schemas-microsoft-com:mac:vml" xmlns:ma="http://schemas.microsoft.com/office/mac/drawingml/2008/main" Requires="ma">
             <p:blipFill>
               <a:blip r:embed="rId7"/>
               <a:stretch>
@@ -9094,7 +9179,7 @@
           <p:nvPr/>
         </p:nvPicPr>
         <mc:AlternateContent xmlns:mc="http://schemas.openxmlformats.org/markup-compatibility/2006">
-          <mc:Choice xmlns:ma="http://schemas.microsoft.com/office/mac/drawingml/2008/main" xmlns:mv="urn:schemas-microsoft-com:mac:vml" xmlns="" Requires="ma">
+          <mc:Choice xmlns="" xmlns:mv="urn:schemas-microsoft-com:mac:vml" xmlns:ma="http://schemas.microsoft.com/office/mac/drawingml/2008/main" Requires="ma">
             <p:blipFill>
               <a:blip r:embed="rId9"/>
               <a:stretch>
@@ -9130,7 +9215,7 @@
           <p:nvPr/>
         </p:nvPicPr>
         <mc:AlternateContent xmlns:mc="http://schemas.openxmlformats.org/markup-compatibility/2006">
-          <mc:Choice xmlns:ma="http://schemas.microsoft.com/office/mac/drawingml/2008/main" xmlns:mv="urn:schemas-microsoft-com:mac:vml" xmlns="" Requires="ma">
+          <mc:Choice xmlns="" xmlns:mv="urn:schemas-microsoft-com:mac:vml" xmlns:ma="http://schemas.microsoft.com/office/mac/drawingml/2008/main" Requires="ma">
             <p:blipFill>
               <a:blip r:embed="rId11"/>
               <a:stretch>
@@ -9437,7 +9522,7 @@
           <p:nvPr/>
         </p:nvPicPr>
         <mc:AlternateContent xmlns:mc="http://schemas.openxmlformats.org/markup-compatibility/2006">
-          <mc:Choice xmlns:ma="http://schemas.microsoft.com/office/mac/drawingml/2008/main" xmlns:mv="urn:schemas-microsoft-com:mac:vml" xmlns="" Requires="ma">
+          <mc:Choice xmlns="" xmlns:mv="urn:schemas-microsoft-com:mac:vml" xmlns:ma="http://schemas.microsoft.com/office/mac/drawingml/2008/main" Requires="ma">
             <p:blipFill>
               <a:blip r:embed="rId2"/>
               <a:stretch>
@@ -9767,7 +9852,7 @@
           <p:nvPr/>
         </p:nvPicPr>
         <mc:AlternateContent xmlns:mc="http://schemas.openxmlformats.org/markup-compatibility/2006">
-          <mc:Choice xmlns:ma="http://schemas.microsoft.com/office/mac/drawingml/2008/main" xmlns:mv="urn:schemas-microsoft-com:mac:vml" xmlns="" Requires="ma">
+          <mc:Choice xmlns="" xmlns:mv="urn:schemas-microsoft-com:mac:vml" xmlns:ma="http://schemas.microsoft.com/office/mac/drawingml/2008/main" Requires="ma">
             <p:blipFill>
               <a:blip r:embed="rId2"/>
               <a:stretch>
@@ -10467,7 +10552,7 @@
           <p:nvPr/>
         </p:nvPicPr>
         <mc:AlternateContent xmlns:mc="http://schemas.openxmlformats.org/markup-compatibility/2006">
-          <mc:Choice xmlns:ma="http://schemas.microsoft.com/office/mac/drawingml/2008/main" xmlns:mv="urn:schemas-microsoft-com:mac:vml" xmlns="" Requires="ma">
+          <mc:Choice xmlns="" xmlns:mv="urn:schemas-microsoft-com:mac:vml" xmlns:ma="http://schemas.microsoft.com/office/mac/drawingml/2008/main" Requires="ma">
             <p:blipFill>
               <a:blip r:embed="rId2"/>
               <a:stretch>
@@ -10503,7 +10588,7 @@
           <p:nvPr/>
         </p:nvPicPr>
         <mc:AlternateContent xmlns:mc="http://schemas.openxmlformats.org/markup-compatibility/2006">
-          <mc:Choice xmlns:ma="http://schemas.microsoft.com/office/mac/drawingml/2008/main" xmlns:mv="urn:schemas-microsoft-com:mac:vml" xmlns="" Requires="ma">
+          <mc:Choice xmlns="" xmlns:mv="urn:schemas-microsoft-com:mac:vml" xmlns:ma="http://schemas.microsoft.com/office/mac/drawingml/2008/main" Requires="ma">
             <p:blipFill>
               <a:blip r:embed="rId4"/>
               <a:stretch>
@@ -10539,7 +10624,7 @@
           <p:nvPr/>
         </p:nvPicPr>
         <mc:AlternateContent xmlns:mc="http://schemas.openxmlformats.org/markup-compatibility/2006">
-          <mc:Choice xmlns:ma="http://schemas.microsoft.com/office/mac/drawingml/2008/main" xmlns:mv="urn:schemas-microsoft-com:mac:vml" xmlns="" Requires="ma">
+          <mc:Choice xmlns="" xmlns:mv="urn:schemas-microsoft-com:mac:vml" xmlns:ma="http://schemas.microsoft.com/office/mac/drawingml/2008/main" Requires="ma">
             <p:blipFill>
               <a:blip r:embed="rId6"/>
               <a:stretch>
@@ -11309,7 +11394,7 @@
           <p:nvPr/>
         </p:nvPicPr>
         <mc:AlternateContent xmlns:mc="http://schemas.openxmlformats.org/markup-compatibility/2006">
-          <mc:Choice xmlns:ma="http://schemas.microsoft.com/office/mac/drawingml/2008/main" xmlns:mv="urn:schemas-microsoft-com:mac:vml" xmlns="" Requires="ma">
+          <mc:Choice xmlns="" xmlns:mv="urn:schemas-microsoft-com:mac:vml" xmlns:ma="http://schemas.microsoft.com/office/mac/drawingml/2008/main" Requires="ma">
             <p:blipFill>
               <a:blip r:embed="rId2"/>
               <a:stretch>
@@ -11755,7 +11840,7 @@
           <p:nvPr/>
         </p:nvPicPr>
         <mc:AlternateContent xmlns:mc="http://schemas.openxmlformats.org/markup-compatibility/2006">
-          <mc:Choice xmlns:ma="http://schemas.microsoft.com/office/mac/drawingml/2008/main" xmlns:mv="urn:schemas-microsoft-com:mac:vml" xmlns="" Requires="ma">
+          <mc:Choice xmlns="" xmlns:mv="urn:schemas-microsoft-com:mac:vml" xmlns:ma="http://schemas.microsoft.com/office/mac/drawingml/2008/main" Requires="ma">
             <p:blipFill>
               <a:blip r:embed="rId3"/>
               <a:stretch>
@@ -15481,7 +15566,7 @@
           <p:nvPr/>
         </p:nvPicPr>
         <mc:AlternateContent xmlns:mc="http://schemas.openxmlformats.org/markup-compatibility/2006">
-          <mc:Choice xmlns:ma="http://schemas.microsoft.com/office/mac/drawingml/2008/main" xmlns:mv="urn:schemas-microsoft-com:mac:vml" xmlns="" Requires="ma">
+          <mc:Choice xmlns="" xmlns:mv="urn:schemas-microsoft-com:mac:vml" xmlns:ma="http://schemas.microsoft.com/office/mac/drawingml/2008/main" Requires="ma">
             <p:blipFill>
               <a:blip r:embed="rId3"/>
               <a:stretch>
@@ -15517,7 +15602,7 @@
           <p:nvPr/>
         </p:nvPicPr>
         <mc:AlternateContent xmlns:mc="http://schemas.openxmlformats.org/markup-compatibility/2006">
-          <mc:Choice xmlns:ma="http://schemas.microsoft.com/office/mac/drawingml/2008/main" xmlns:mv="urn:schemas-microsoft-com:mac:vml" xmlns="" Requires="ma">
+          <mc:Choice xmlns="" xmlns:mv="urn:schemas-microsoft-com:mac:vml" xmlns:ma="http://schemas.microsoft.com/office/mac/drawingml/2008/main" Requires="ma">
             <p:blipFill>
               <a:blip r:embed="rId5"/>
               <a:stretch>
@@ -16190,7 +16275,7 @@
           <a:graphicData uri="http://schemas.openxmlformats.org/presentationml/2006/ole">
             <mc:AlternateContent xmlns:mc="http://schemas.openxmlformats.org/markup-compatibility/2006">
               <mc:Choice xmlns:v="urn:schemas-microsoft-com:vml" Requires="v">
-                <p:oleObj spid="_x0000_s63504" name="Equation" r:id="rId6" imgW="1663700" imgH="228600" progId="Equation.3">
+                <p:oleObj spid="_x0000_s63510" name="Equation" r:id="rId6" imgW="1663700" imgH="228600" progId="Equation.3">
                   <p:embed/>
                 </p:oleObj>
               </mc:Choice>
@@ -16260,7 +16345,7 @@
           <a:graphicData uri="http://schemas.openxmlformats.org/presentationml/2006/ole">
             <mc:AlternateContent xmlns:mc="http://schemas.openxmlformats.org/markup-compatibility/2006">
               <mc:Choice xmlns:v="urn:schemas-microsoft-com:vml" Requires="v">
-                <p:oleObj spid="_x0000_s63505" name="Equation" r:id="rId8" imgW="1752600" imgH="177800" progId="Equation.3">
+                <p:oleObj spid="_x0000_s63511" name="Equation" r:id="rId8" imgW="1752600" imgH="177800" progId="Equation.3">
                   <p:embed/>
                 </p:oleObj>
               </mc:Choice>
@@ -16621,7 +16706,7 @@
           <a:graphicData uri="http://schemas.openxmlformats.org/presentationml/2006/ole">
             <mc:AlternateContent xmlns:mc="http://schemas.openxmlformats.org/markup-compatibility/2006">
               <mc:Choice xmlns:v="urn:schemas-microsoft-com:vml" Requires="v">
-                <p:oleObj spid="_x0000_s66578" name="Equation" r:id="rId6" imgW="1841500" imgH="228600" progId="Equation.3">
+                <p:oleObj spid="_x0000_s66584" name="Equation" r:id="rId6" imgW="1841500" imgH="228600" progId="Equation.3">
                   <p:embed/>
                 </p:oleObj>
               </mc:Choice>
@@ -16691,7 +16776,7 @@
           <a:graphicData uri="http://schemas.openxmlformats.org/presentationml/2006/ole">
             <mc:AlternateContent xmlns:mc="http://schemas.openxmlformats.org/markup-compatibility/2006">
               <mc:Choice xmlns:v="urn:schemas-microsoft-com:vml" Requires="v">
-                <p:oleObj spid="_x0000_s66579" name="Equation" r:id="rId8" imgW="1663700" imgH="228600" progId="Equation.3">
+                <p:oleObj spid="_x0000_s66585" name="Equation" r:id="rId8" imgW="1663700" imgH="228600" progId="Equation.3">
                   <p:embed/>
                 </p:oleObj>
               </mc:Choice>
@@ -17099,7 +17184,7 @@
           </p:nvPr>
         </p:nvPicPr>
         <mc:AlternateContent xmlns:mc="http://schemas.openxmlformats.org/markup-compatibility/2006">
-          <mc:Choice xmlns:ma="http://schemas.microsoft.com/office/mac/drawingml/2008/main" xmlns:mv="urn:schemas-microsoft-com:mac:vml" xmlns="" Requires="ma">
+          <mc:Choice xmlns="" xmlns:mv="urn:schemas-microsoft-com:mac:vml" xmlns:ma="http://schemas.microsoft.com/office/mac/drawingml/2008/main" Requires="ma">
             <p:blipFill>
               <a:blip r:embed="rId3"/>
               <a:srcRect l="10634" t="18351" r="15768" b="30458"/>
@@ -17410,19 +17495,6 @@
               <a:t>Recall that covariance stationary processes have </a:t>
             </a:r>
             <a:r>
-              <a:rPr lang="en-US" i="1" dirty="0" err="1">
-                <a:solidFill>
-                  <a:schemeClr val="tx1">
-                    <a:lumMod val="65000"/>
-                    <a:lumOff val="35000"/>
-                  </a:schemeClr>
-                </a:solidFill>
-                <a:latin typeface="Times New Roman"/>
-                <a:cs typeface="Times New Roman"/>
-              </a:rPr>
-              <a:t>ρ(k</a:t>
-            </a:r>
-            <a:r>
               <a:rPr lang="en-US" i="1" dirty="0">
                 <a:solidFill>
                   <a:schemeClr val="tx1">
@@ -17433,7 +17505,7 @@
                 <a:latin typeface="Times New Roman"/>
                 <a:cs typeface="Times New Roman"/>
               </a:rPr>
-              <a:t>)</a:t>
+              <a:t>ρ(k)</a:t>
             </a:r>
             <a:r>
               <a:rPr lang="en-US" dirty="0">
@@ -17447,19 +17519,6 @@
               <a:t> and </a:t>
             </a:r>
             <a:r>
-              <a:rPr lang="en-US" i="1" dirty="0" err="1">
-                <a:solidFill>
-                  <a:schemeClr val="tx1">
-                    <a:lumMod val="65000"/>
-                    <a:lumOff val="35000"/>
-                  </a:schemeClr>
-                </a:solidFill>
-                <a:latin typeface="Times New Roman"/>
-                <a:cs typeface="Times New Roman"/>
-              </a:rPr>
-              <a:t>p(k</a:t>
-            </a:r>
-            <a:r>
               <a:rPr lang="en-US" i="1" dirty="0">
                 <a:solidFill>
                   <a:schemeClr val="tx1">
@@ -17470,7 +17529,7 @@
                 <a:latin typeface="Times New Roman"/>
                 <a:cs typeface="Times New Roman"/>
               </a:rPr>
-              <a:t>) </a:t>
+              <a:t>p(k) </a:t>
             </a:r>
             <a:r>
               <a:rPr lang="en-US" dirty="0">
@@ -17508,7 +17567,7 @@
               <a:t> </a:t>
             </a:r>
             <a:r>
-              <a:rPr lang="en-US" i="1" dirty="0" err="1">
+              <a:rPr lang="en-US" i="1" dirty="0">
                 <a:solidFill>
                   <a:schemeClr val="tx1">
                     <a:lumMod val="65000"/>
@@ -17531,7 +17590,7 @@
                 </a:solidFill>
                 <a:sym typeface="Wingdings"/>
               </a:rPr>
-              <a:t> 0.</a:t>
+              <a:t> inf.</a:t>
             </a:r>
             <a:r>
               <a:rPr lang="en-US" dirty="0">
@@ -18596,7 +18655,7 @@
           <p:nvPr/>
         </p:nvPicPr>
         <mc:AlternateContent xmlns:mc="http://schemas.openxmlformats.org/markup-compatibility/2006">
-          <mc:Choice xmlns:ma="http://schemas.microsoft.com/office/mac/drawingml/2008/main" xmlns:mv="urn:schemas-microsoft-com:mac:vml" xmlns="" Requires="ma">
+          <mc:Choice xmlns="" xmlns:mv="urn:schemas-microsoft-com:mac:vml" xmlns:ma="http://schemas.microsoft.com/office/mac/drawingml/2008/main" Requires="ma">
             <p:blipFill>
               <a:blip r:embed="rId5"/>
               <a:stretch>
@@ -19169,7 +19228,7 @@
           <p:nvPr/>
         </p:nvPicPr>
         <mc:AlternateContent xmlns:mc="http://schemas.openxmlformats.org/markup-compatibility/2006">
-          <mc:Choice xmlns:ma="http://schemas.microsoft.com/office/mac/drawingml/2008/main" xmlns:mv="urn:schemas-microsoft-com:mac:vml" xmlns="" Requires="ma">
+          <mc:Choice xmlns="" xmlns:mv="urn:schemas-microsoft-com:mac:vml" xmlns:ma="http://schemas.microsoft.com/office/mac/drawingml/2008/main" Requires="ma">
             <p:blipFill>
               <a:blip r:embed="rId2"/>
               <a:srcRect t="20671" b="21481"/>
@@ -20985,7 +21044,7 @@
           <p:nvPr/>
         </p:nvPicPr>
         <mc:AlternateContent xmlns:mc="http://schemas.openxmlformats.org/markup-compatibility/2006">
-          <mc:Choice xmlns:ma="http://schemas.microsoft.com/office/mac/drawingml/2008/main" xmlns:mv="urn:schemas-microsoft-com:mac:vml" xmlns="" Requires="ma">
+          <mc:Choice xmlns="" xmlns:mv="urn:schemas-microsoft-com:mac:vml" xmlns:ma="http://schemas.microsoft.com/office/mac/drawingml/2008/main" Requires="ma">
             <p:blipFill>
               <a:blip r:embed="rId3"/>
               <a:stretch>
@@ -21021,7 +21080,7 @@
           <p:nvPr/>
         </p:nvPicPr>
         <mc:AlternateContent xmlns:mc="http://schemas.openxmlformats.org/markup-compatibility/2006">
-          <mc:Choice xmlns:ma="http://schemas.microsoft.com/office/mac/drawingml/2008/main" xmlns:mv="urn:schemas-microsoft-com:mac:vml" xmlns="" Requires="ma">
+          <mc:Choice xmlns="" xmlns:mv="urn:schemas-microsoft-com:mac:vml" xmlns:ma="http://schemas.microsoft.com/office/mac/drawingml/2008/main" Requires="ma">
             <p:blipFill>
               <a:blip r:embed="rId5"/>
               <a:stretch>
@@ -21057,7 +21116,7 @@
           <p:nvPr/>
         </p:nvPicPr>
         <mc:AlternateContent xmlns:mc="http://schemas.openxmlformats.org/markup-compatibility/2006">
-          <mc:Choice xmlns:ma="http://schemas.microsoft.com/office/mac/drawingml/2008/main" xmlns:mv="urn:schemas-microsoft-com:mac:vml" xmlns="" Requires="ma">
+          <mc:Choice xmlns="" xmlns:mv="urn:schemas-microsoft-com:mac:vml" xmlns:ma="http://schemas.microsoft.com/office/mac/drawingml/2008/main" Requires="ma">
             <p:blipFill>
               <a:blip r:embed="rId7"/>
               <a:stretch>
@@ -22225,7 +22284,7 @@
           <p:nvPr/>
         </p:nvPicPr>
         <mc:AlternateContent xmlns:mc="http://schemas.openxmlformats.org/markup-compatibility/2006">
-          <mc:Choice xmlns:ma="http://schemas.microsoft.com/office/mac/drawingml/2008/main" xmlns:mv="urn:schemas-microsoft-com:mac:vml" xmlns="" Requires="ma">
+          <mc:Choice xmlns="" xmlns:mv="urn:schemas-microsoft-com:mac:vml" xmlns:ma="http://schemas.microsoft.com/office/mac/drawingml/2008/main" Requires="ma">
             <p:blipFill>
               <a:blip r:embed="rId3"/>
               <a:stretch>
